--- a/2025-09-19 Dotnext St Petersburg/Monolith First Presentation.pptx
+++ b/2025-09-19 Dotnext St Petersburg/Monolith First Presentation.pptx
@@ -53,7 +53,8 @@
     <p:sldId id="350" r:id="rId47"/>
     <p:sldId id="355" r:id="rId48"/>
     <p:sldId id="357" r:id="rId49"/>
-    <p:sldId id="361" r:id="rId50"/>
+    <p:sldId id="364" r:id="rId50"/>
+    <p:sldId id="361" r:id="rId51"/>
   </p:sldIdLst>
   <p:sldSz cx="12192000" cy="6858000"/>
   <p:notesSz cx="6858000" cy="9144000"/>
@@ -205,6 +206,7 @@
             <p14:sldId id="350"/>
             <p14:sldId id="355"/>
             <p14:sldId id="357"/>
+            <p14:sldId id="364"/>
             <p14:sldId id="361"/>
           </p14:sldIdLst>
         </p14:section>
@@ -45624,7 +45626,13 @@
     </p:bg>
     <p:spTree>
       <p:nvGrpSpPr>
-        <p:cNvPr id="1" name=""/>
+        <p:cNvPr id="1" name="">
+          <a:extLst>
+            <a:ext uri="{FF2B5EF4-FFF2-40B4-BE49-F238E27FC236}">
+              <a16:creationId xmlns:a16="http://schemas.microsoft.com/office/drawing/2014/main" id="{45B5A6F1-CE4D-27D1-10FE-21056E3C3637}"/>
+            </a:ext>
+          </a:extLst>
+        </p:cNvPr>
         <p:cNvGrpSpPr/>
         <p:nvPr/>
       </p:nvGrpSpPr>
@@ -45641,7 +45649,7 @@
           <p:cNvPr id="3" name="Content Placeholder 2">
             <a:extLst>
               <a:ext uri="{FF2B5EF4-FFF2-40B4-BE49-F238E27FC236}">
-                <a16:creationId xmlns:a16="http://schemas.microsoft.com/office/drawing/2014/main" id="{891C7693-D3DF-4635-96F4-97F3B4136FDF}"/>
+                <a16:creationId xmlns:a16="http://schemas.microsoft.com/office/drawing/2014/main" id="{84966AFD-D968-9370-EDB2-D18AD99C15E5}"/>
               </a:ext>
             </a:extLst>
           </p:cNvPr>
@@ -45654,138 +45662,43 @@
         </p:nvSpPr>
         <p:spPr>
           <a:xfrm>
-            <a:off x="838200" y="2719345"/>
-            <a:ext cx="10515600" cy="2670438"/>
+            <a:off x="838200" y="2322890"/>
+            <a:ext cx="4403756" cy="3063246"/>
           </a:xfrm>
         </p:spPr>
         <p:txBody>
-          <a:bodyPr>
-            <a:normAutofit lnSpcReduction="10000"/>
+          <a:bodyPr anchor="ctr">
+            <a:normAutofit/>
           </a:bodyPr>
           <a:lstStyle/>
           <a:p>
-            <a:r>
-              <a:rPr lang="en-US" sz="2400" b="1" dirty="0">
+            <a:pPr marL="0" indent="0" algn="ctr">
+              <a:buNone/>
+            </a:pPr>
+            <a:r>
+              <a:rPr lang="tr-TR" sz="9600" b="1" dirty="0">
                 <a:latin typeface="Euclid Circular B" panose="020B0504000000000000" pitchFamily="34" charset="0"/>
                 <a:ea typeface="Euclid Circular B" panose="020B0504000000000000" pitchFamily="34" charset="0"/>
               </a:rPr>
-              <a:t>ABP</a:t>
-            </a:r>
-          </a:p>
-          <a:p>
-            <a:pPr lvl="1"/>
-            <a:r>
-              <a:rPr lang="en-US" sz="2000" dirty="0">
+              <a:t>LIVE</a:t>
+            </a:r>
+            <a:br>
+              <a:rPr lang="tr-TR" sz="9600" b="1" dirty="0">
                 <a:latin typeface="Euclid Circular B" panose="020B0504000000000000" pitchFamily="34" charset="0"/>
                 <a:ea typeface="Euclid Circular B" panose="020B0504000000000000" pitchFamily="34" charset="0"/>
-                <a:hlinkClick r:id="rId3"/>
               </a:rPr>
-              <a:t>https://abp.io</a:t>
-            </a:r>
-            <a:endParaRPr lang="en-US" sz="2000" dirty="0">
+            </a:br>
+            <a:r>
+              <a:rPr lang="tr-TR" sz="9600" b="1" dirty="0">
+                <a:latin typeface="Euclid Circular B" panose="020B0504000000000000" pitchFamily="34" charset="0"/>
+                <a:ea typeface="Euclid Circular B" panose="020B0504000000000000" pitchFamily="34" charset="0"/>
+              </a:rPr>
+              <a:t>DEMO</a:t>
+            </a:r>
+            <a:endParaRPr lang="en-US" sz="9600" b="1" dirty="0">
               <a:latin typeface="Euclid Circular B" panose="020B0504000000000000" pitchFamily="34" charset="0"/>
               <a:ea typeface="Euclid Circular B" panose="020B0504000000000000" pitchFamily="34" charset="0"/>
             </a:endParaRPr>
-          </a:p>
-          <a:p>
-            <a:pPr lvl="1"/>
-            <a:r>
-              <a:rPr lang="en-US" sz="2000" dirty="0">
-                <a:latin typeface="Euclid Circular B" panose="020B0504000000000000" pitchFamily="34" charset="0"/>
-                <a:ea typeface="Euclid Circular B" panose="020B0504000000000000" pitchFamily="34" charset="0"/>
-                <a:hlinkClick r:id="rId4"/>
-              </a:rPr>
-              <a:t>https://docs.abp.io</a:t>
-            </a:r>
-            <a:r>
-              <a:rPr lang="en-US" sz="2000" dirty="0">
-                <a:latin typeface="Euclid Circular B" panose="020B0504000000000000" pitchFamily="34" charset="0"/>
-                <a:ea typeface="Euclid Circular B" panose="020B0504000000000000" pitchFamily="34" charset="0"/>
-              </a:rPr>
-              <a:t> </a:t>
-            </a:r>
-          </a:p>
-          <a:p>
-            <a:pPr lvl="1"/>
-            <a:r>
-              <a:rPr lang="en-US" sz="2000" dirty="0">
-                <a:latin typeface="Euclid Circular B" panose="020B0504000000000000" pitchFamily="34" charset="0"/>
-                <a:ea typeface="Euclid Circular B" panose="020B0504000000000000" pitchFamily="34" charset="0"/>
-                <a:hlinkClick r:id="rId5"/>
-              </a:rPr>
-              <a:t>https://community.abp.io</a:t>
-            </a:r>
-            <a:endParaRPr lang="en-US" sz="2000" dirty="0">
-              <a:latin typeface="Euclid Circular B" panose="020B0504000000000000" pitchFamily="34" charset="0"/>
-              <a:ea typeface="Euclid Circular B" panose="020B0504000000000000" pitchFamily="34" charset="0"/>
-            </a:endParaRPr>
-          </a:p>
-          <a:p>
-            <a:r>
-              <a:rPr lang="en-US" sz="2400" b="1" dirty="0">
-                <a:latin typeface="Euclid Circular B" panose="020B0504000000000000" pitchFamily="34" charset="0"/>
-                <a:ea typeface="Euclid Circular B" panose="020B0504000000000000" pitchFamily="34" charset="0"/>
-              </a:rPr>
-              <a:t>Martin Fowler</a:t>
-            </a:r>
-            <a:r>
-              <a:rPr lang="en-US" sz="2400" dirty="0">
-                <a:latin typeface="Euclid Circular B" panose="020B0504000000000000" pitchFamily="34" charset="0"/>
-                <a:ea typeface="Euclid Circular B" panose="020B0504000000000000" pitchFamily="34" charset="0"/>
-              </a:rPr>
-              <a:t>’s website</a:t>
-            </a:r>
-          </a:p>
-          <a:p>
-            <a:pPr lvl="1"/>
-            <a:r>
-              <a:rPr lang="en-US" sz="2000" dirty="0">
-                <a:latin typeface="Euclid Circular B" panose="020B0504000000000000" pitchFamily="34" charset="0"/>
-                <a:ea typeface="Euclid Circular B" panose="020B0504000000000000" pitchFamily="34" charset="0"/>
-                <a:hlinkClick r:id="rId6"/>
-              </a:rPr>
-              <a:t>https://martinfowler.com</a:t>
-            </a:r>
-            <a:r>
-              <a:rPr lang="en-US" sz="2000" dirty="0">
-                <a:latin typeface="Euclid Circular B" panose="020B0504000000000000" pitchFamily="34" charset="0"/>
-                <a:ea typeface="Euclid Circular B" panose="020B0504000000000000" pitchFamily="34" charset="0"/>
-              </a:rPr>
-              <a:t> </a:t>
-            </a:r>
-          </a:p>
-          <a:p>
-            <a:pPr lvl="1"/>
-            <a:r>
-              <a:rPr lang="en-US" sz="2000" dirty="0">
-                <a:latin typeface="Euclid Circular B" panose="020B0504000000000000" pitchFamily="34" charset="0"/>
-                <a:ea typeface="Euclid Circular B" panose="020B0504000000000000" pitchFamily="34" charset="0"/>
-                <a:hlinkClick r:id="rId7"/>
-              </a:rPr>
-              <a:t>https://martinfowler.com/articles/microservice-trade-offs.html</a:t>
-            </a:r>
-            <a:endParaRPr lang="en-US" sz="2000" dirty="0">
-              <a:latin typeface="Euclid Circular B" panose="020B0504000000000000" pitchFamily="34" charset="0"/>
-              <a:ea typeface="Euclid Circular B" panose="020B0504000000000000" pitchFamily="34" charset="0"/>
-            </a:endParaRPr>
-          </a:p>
-          <a:p>
-            <a:pPr lvl="1"/>
-            <a:r>
-              <a:rPr lang="en-US" sz="2000" dirty="0">
-                <a:latin typeface="Euclid Circular B" panose="020B0504000000000000" pitchFamily="34" charset="0"/>
-                <a:ea typeface="Euclid Circular B" panose="020B0504000000000000" pitchFamily="34" charset="0"/>
-                <a:hlinkClick r:id="rId8"/>
-              </a:rPr>
-              <a:t>https://martinfowler.com/bliki/MicroservicePremium.html</a:t>
-            </a:r>
-            <a:r>
-              <a:rPr lang="en-US" sz="2000" dirty="0">
-                <a:latin typeface="Euclid Circular B" panose="020B0504000000000000" pitchFamily="34" charset="0"/>
-                <a:ea typeface="Euclid Circular B" panose="020B0504000000000000" pitchFamily="34" charset="0"/>
-              </a:rPr>
-              <a:t> </a:t>
-            </a:r>
           </a:p>
         </p:txBody>
       </p:sp>
@@ -45794,7 +45707,7 @@
           <p:cNvPr id="6" name="Title 1">
             <a:extLst>
               <a:ext uri="{FF2B5EF4-FFF2-40B4-BE49-F238E27FC236}">
-                <a16:creationId xmlns:a16="http://schemas.microsoft.com/office/drawing/2014/main" id="{331D04E0-6416-4CBE-AD16-B2D9C4FE44C3}"/>
+                <a16:creationId xmlns:a16="http://schemas.microsoft.com/office/drawing/2014/main" id="{4C40EE5C-F888-D0A8-41DF-8A4C97F4C33F}"/>
               </a:ext>
             </a:extLst>
           </p:cNvPr>
@@ -45807,7 +45720,7 @@
         </p:nvSpPr>
         <p:spPr>
           <a:xfrm>
-            <a:off x="838200" y="1647365"/>
+            <a:off x="838200" y="365125"/>
             <a:ext cx="10515600" cy="1325563"/>
           </a:xfrm>
         </p:spPr>
@@ -45818,16 +45731,46 @@
           <a:lstStyle/>
           <a:p>
             <a:r>
-              <a:rPr lang="en-US" sz="3600" b="1" dirty="0">
+              <a:rPr lang="tr-TR" b="1" dirty="0">
                 <a:solidFill>
                   <a:srgbClr val="292D33"/>
                 </a:solidFill>
                 <a:latin typeface="Euclid Circular B" panose="020B0504000000000000" pitchFamily="34" charset="0"/>
                 <a:ea typeface="Euclid Circular B" panose="020B0504000000000000" pitchFamily="34" charset="0"/>
               </a:rPr>
-              <a:t>References / further reading</a:t>
-            </a:r>
-            <a:endParaRPr lang="en-US" sz="2400" b="1" dirty="0">
+              <a:t>DEMO</a:t>
+            </a:r>
+            <a:br>
+              <a:rPr lang="tr-TR" b="1" dirty="0">
+                <a:solidFill>
+                  <a:srgbClr val="292D33"/>
+                </a:solidFill>
+                <a:latin typeface="Euclid Circular B" panose="020B0504000000000000" pitchFamily="34" charset="0"/>
+                <a:ea typeface="Euclid Circular B" panose="020B0504000000000000" pitchFamily="34" charset="0"/>
+              </a:rPr>
+            </a:br>
+            <a:r>
+              <a:rPr lang="tr-TR" sz="2400" b="1" dirty="0">
+                <a:solidFill>
+                  <a:srgbClr val="292D33"/>
+                </a:solidFill>
+                <a:latin typeface="Euclid Circular B" panose="020B0504000000000000" pitchFamily="34" charset="0"/>
+                <a:ea typeface="Euclid Circular B" panose="020B0504000000000000" pitchFamily="34" charset="0"/>
+                <a:hlinkClick r:id="rId3"/>
+              </a:rPr>
+              <a:t>https://github.com/abpframework/modular-monolith-demo</a:t>
+            </a:r>
+            <a:r>
+              <a:rPr lang="tr-TR" sz="2400" b="1" dirty="0">
+                <a:solidFill>
+                  <a:srgbClr val="292D33"/>
+                </a:solidFill>
+                <a:latin typeface="Euclid Circular B" panose="020B0504000000000000" pitchFamily="34" charset="0"/>
+                <a:ea typeface="Euclid Circular B" panose="020B0504000000000000" pitchFamily="34" charset="0"/>
+              </a:rPr>
+              <a:t> </a:t>
+            </a:r>
+            <a:endParaRPr lang="en-US" sz="3200" b="1" dirty="0">
               <a:solidFill>
                 <a:srgbClr val="292D33"/>
               </a:solidFill>
@@ -45837,334 +45780,46 @@
           </a:p>
         </p:txBody>
       </p:sp>
-      <p:sp>
-        <p:nvSpPr>
-          <p:cNvPr id="2" name="Title 1">
-            <a:extLst>
-              <a:ext uri="{FF2B5EF4-FFF2-40B4-BE49-F238E27FC236}">
-                <a16:creationId xmlns:a16="http://schemas.microsoft.com/office/drawing/2014/main" id="{AC83E7B0-4630-E48E-1958-A14C6ADE756A}"/>
-              </a:ext>
-            </a:extLst>
-          </p:cNvPr>
-          <p:cNvSpPr txBox="1">
-            <a:spLocks/>
-          </p:cNvSpPr>
+      <p:pic>
+        <p:nvPicPr>
+          <p:cNvPr id="4" name="Picture 3" descr="A qr code with a few black squares&#10;&#10;AI-generated content may be incorrect.">
+            <a:extLst>
+              <a:ext uri="{FF2B5EF4-FFF2-40B4-BE49-F238E27FC236}">
+                <a16:creationId xmlns:a16="http://schemas.microsoft.com/office/drawing/2014/main" id="{2DE5CA8F-10B6-88A0-4732-51844A0E4AA1}"/>
+              </a:ext>
+            </a:extLst>
+          </p:cNvPr>
+          <p:cNvPicPr>
+            <a:picLocks noChangeAspect="1"/>
+          </p:cNvPicPr>
           <p:nvPr/>
-        </p:nvSpPr>
+        </p:nvPicPr>
+        <p:blipFill>
+          <a:blip r:embed="rId4">
+            <a:extLst>
+              <a:ext uri="{28A0092B-C50C-407E-A947-70E740481C1C}">
+                <a14:useLocalDpi xmlns:a14="http://schemas.microsoft.com/office/drawing/2010/main" val="0"/>
+              </a:ext>
+            </a:extLst>
+          </a:blip>
+          <a:stretch>
+            <a:fillRect/>
+          </a:stretch>
+        </p:blipFill>
         <p:spPr>
           <a:xfrm>
-            <a:off x="838200" y="248305"/>
-            <a:ext cx="9144000" cy="865463"/>
+            <a:off x="6306493" y="2055137"/>
+            <a:ext cx="3598752" cy="3598752"/>
           </a:xfrm>
           <a:prstGeom prst="rect">
             <a:avLst/>
           </a:prstGeom>
         </p:spPr>
-        <p:txBody>
-          <a:bodyPr vert="horz" lIns="91440" tIns="45720" rIns="91440" bIns="45720" rtlCol="0" anchor="ctr">
-            <a:normAutofit/>
-          </a:bodyPr>
-          <a:lstStyle>
-            <a:lvl1pPr algn="l" defTabSz="914400" rtl="0" eaLnBrk="1" latinLnBrk="0" hangingPunct="1">
-              <a:lnSpc>
-                <a:spcPct val="90000"/>
-              </a:lnSpc>
-              <a:spcBef>
-                <a:spcPct val="0"/>
-              </a:spcBef>
-              <a:buNone/>
-              <a:defRPr sz="4400" kern="1200">
-                <a:solidFill>
-                  <a:schemeClr val="tx1"/>
-                </a:solidFill>
-                <a:latin typeface="+mj-lt"/>
-                <a:ea typeface="+mj-ea"/>
-                <a:cs typeface="+mj-cs"/>
-              </a:defRPr>
-            </a:lvl1pPr>
-          </a:lstStyle>
-          <a:p>
-            <a:r>
-              <a:rPr lang="en-US" sz="4800" b="1" dirty="0">
-                <a:solidFill>
-                  <a:srgbClr val="292D33"/>
-                </a:solidFill>
-                <a:latin typeface="Euclid Circular B" panose="020B0504000000000000" pitchFamily="34" charset="0"/>
-                <a:ea typeface="Euclid Circular B" panose="020B0504000000000000" pitchFamily="34" charset="0"/>
-              </a:rPr>
-              <a:t>THANKS!</a:t>
-            </a:r>
-          </a:p>
-        </p:txBody>
-      </p:sp>
-      <p:sp>
-        <p:nvSpPr>
-          <p:cNvPr id="4" name="Subtitle 2">
-            <a:extLst>
-              <a:ext uri="{FF2B5EF4-FFF2-40B4-BE49-F238E27FC236}">
-                <a16:creationId xmlns:a16="http://schemas.microsoft.com/office/drawing/2014/main" id="{F9644745-8434-EF95-9668-A4D0228E8808}"/>
-              </a:ext>
-            </a:extLst>
-          </p:cNvPr>
-          <p:cNvSpPr txBox="1">
-            <a:spLocks/>
-          </p:cNvSpPr>
-          <p:nvPr/>
-        </p:nvSpPr>
-        <p:spPr>
-          <a:xfrm>
-            <a:off x="838200" y="1113768"/>
-            <a:ext cx="9144000" cy="592890"/>
-          </a:xfrm>
-          <a:prstGeom prst="rect">
-            <a:avLst/>
-          </a:prstGeom>
-        </p:spPr>
-        <p:txBody>
-          <a:bodyPr vert="horz" lIns="91440" tIns="45720" rIns="91440" bIns="45720" rtlCol="0">
-            <a:normAutofit/>
-          </a:bodyPr>
-          <a:lstStyle>
-            <a:lvl1pPr marL="228600" indent="-228600" algn="l" defTabSz="914400" rtl="0" eaLnBrk="1" latinLnBrk="0" hangingPunct="1">
-              <a:lnSpc>
-                <a:spcPct val="90000"/>
-              </a:lnSpc>
-              <a:spcBef>
-                <a:spcPts val="1000"/>
-              </a:spcBef>
-              <a:buFont typeface="Arial" panose="020B0604020202020204" pitchFamily="34" charset="0"/>
-              <a:buChar char="•"/>
-              <a:defRPr sz="2800" kern="1200">
-                <a:solidFill>
-                  <a:schemeClr val="tx1"/>
-                </a:solidFill>
-                <a:latin typeface="+mn-lt"/>
-                <a:ea typeface="+mn-ea"/>
-                <a:cs typeface="+mn-cs"/>
-              </a:defRPr>
-            </a:lvl1pPr>
-            <a:lvl2pPr marL="685800" indent="-228600" algn="l" defTabSz="914400" rtl="0" eaLnBrk="1" latinLnBrk="0" hangingPunct="1">
-              <a:lnSpc>
-                <a:spcPct val="90000"/>
-              </a:lnSpc>
-              <a:spcBef>
-                <a:spcPts val="500"/>
-              </a:spcBef>
-              <a:buFont typeface="Arial" panose="020B0604020202020204" pitchFamily="34" charset="0"/>
-              <a:buChar char="•"/>
-              <a:defRPr sz="2400" kern="1200">
-                <a:solidFill>
-                  <a:schemeClr val="tx1"/>
-                </a:solidFill>
-                <a:latin typeface="+mn-lt"/>
-                <a:ea typeface="+mn-ea"/>
-                <a:cs typeface="+mn-cs"/>
-              </a:defRPr>
-            </a:lvl2pPr>
-            <a:lvl3pPr marL="1143000" indent="-228600" algn="l" defTabSz="914400" rtl="0" eaLnBrk="1" latinLnBrk="0" hangingPunct="1">
-              <a:lnSpc>
-                <a:spcPct val="90000"/>
-              </a:lnSpc>
-              <a:spcBef>
-                <a:spcPts val="500"/>
-              </a:spcBef>
-              <a:buFont typeface="Arial" panose="020B0604020202020204" pitchFamily="34" charset="0"/>
-              <a:buChar char="•"/>
-              <a:defRPr sz="2000" kern="1200">
-                <a:solidFill>
-                  <a:schemeClr val="tx1"/>
-                </a:solidFill>
-                <a:latin typeface="+mn-lt"/>
-                <a:ea typeface="+mn-ea"/>
-                <a:cs typeface="+mn-cs"/>
-              </a:defRPr>
-            </a:lvl3pPr>
-            <a:lvl4pPr marL="1600200" indent="-228600" algn="l" defTabSz="914400" rtl="0" eaLnBrk="1" latinLnBrk="0" hangingPunct="1">
-              <a:lnSpc>
-                <a:spcPct val="90000"/>
-              </a:lnSpc>
-              <a:spcBef>
-                <a:spcPts val="500"/>
-              </a:spcBef>
-              <a:buFont typeface="Arial" panose="020B0604020202020204" pitchFamily="34" charset="0"/>
-              <a:buChar char="•"/>
-              <a:defRPr sz="1800" kern="1200">
-                <a:solidFill>
-                  <a:schemeClr val="tx1"/>
-                </a:solidFill>
-                <a:latin typeface="+mn-lt"/>
-                <a:ea typeface="+mn-ea"/>
-                <a:cs typeface="+mn-cs"/>
-              </a:defRPr>
-            </a:lvl4pPr>
-            <a:lvl5pPr marL="2057400" indent="-228600" algn="l" defTabSz="914400" rtl="0" eaLnBrk="1" latinLnBrk="0" hangingPunct="1">
-              <a:lnSpc>
-                <a:spcPct val="90000"/>
-              </a:lnSpc>
-              <a:spcBef>
-                <a:spcPts val="500"/>
-              </a:spcBef>
-              <a:buFont typeface="Arial" panose="020B0604020202020204" pitchFamily="34" charset="0"/>
-              <a:buChar char="•"/>
-              <a:defRPr sz="1800" kern="1200">
-                <a:solidFill>
-                  <a:schemeClr val="tx1"/>
-                </a:solidFill>
-                <a:latin typeface="+mn-lt"/>
-                <a:ea typeface="+mn-ea"/>
-                <a:cs typeface="+mn-cs"/>
-              </a:defRPr>
-            </a:lvl5pPr>
-            <a:lvl6pPr marL="2514600" indent="-228600" algn="l" defTabSz="914400" rtl="0" eaLnBrk="1" latinLnBrk="0" hangingPunct="1">
-              <a:lnSpc>
-                <a:spcPct val="90000"/>
-              </a:lnSpc>
-              <a:spcBef>
-                <a:spcPts val="500"/>
-              </a:spcBef>
-              <a:buFont typeface="Arial" panose="020B0604020202020204" pitchFamily="34" charset="0"/>
-              <a:buChar char="•"/>
-              <a:defRPr sz="1800" kern="1200">
-                <a:solidFill>
-                  <a:schemeClr val="tx1"/>
-                </a:solidFill>
-                <a:latin typeface="+mn-lt"/>
-                <a:ea typeface="+mn-ea"/>
-                <a:cs typeface="+mn-cs"/>
-              </a:defRPr>
-            </a:lvl6pPr>
-            <a:lvl7pPr marL="2971800" indent="-228600" algn="l" defTabSz="914400" rtl="0" eaLnBrk="1" latinLnBrk="0" hangingPunct="1">
-              <a:lnSpc>
-                <a:spcPct val="90000"/>
-              </a:lnSpc>
-              <a:spcBef>
-                <a:spcPts val="500"/>
-              </a:spcBef>
-              <a:buFont typeface="Arial" panose="020B0604020202020204" pitchFamily="34" charset="0"/>
-              <a:buChar char="•"/>
-              <a:defRPr sz="1800" kern="1200">
-                <a:solidFill>
-                  <a:schemeClr val="tx1"/>
-                </a:solidFill>
-                <a:latin typeface="+mn-lt"/>
-                <a:ea typeface="+mn-ea"/>
-                <a:cs typeface="+mn-cs"/>
-              </a:defRPr>
-            </a:lvl7pPr>
-            <a:lvl8pPr marL="3429000" indent="-228600" algn="l" defTabSz="914400" rtl="0" eaLnBrk="1" latinLnBrk="0" hangingPunct="1">
-              <a:lnSpc>
-                <a:spcPct val="90000"/>
-              </a:lnSpc>
-              <a:spcBef>
-                <a:spcPts val="500"/>
-              </a:spcBef>
-              <a:buFont typeface="Arial" panose="020B0604020202020204" pitchFamily="34" charset="0"/>
-              <a:buChar char="•"/>
-              <a:defRPr sz="1800" kern="1200">
-                <a:solidFill>
-                  <a:schemeClr val="tx1"/>
-                </a:solidFill>
-                <a:latin typeface="+mn-lt"/>
-                <a:ea typeface="+mn-ea"/>
-                <a:cs typeface="+mn-cs"/>
-              </a:defRPr>
-            </a:lvl8pPr>
-            <a:lvl9pPr marL="3886200" indent="-228600" algn="l" defTabSz="914400" rtl="0" eaLnBrk="1" latinLnBrk="0" hangingPunct="1">
-              <a:lnSpc>
-                <a:spcPct val="90000"/>
-              </a:lnSpc>
-              <a:spcBef>
-                <a:spcPts val="500"/>
-              </a:spcBef>
-              <a:buFont typeface="Arial" panose="020B0604020202020204" pitchFamily="34" charset="0"/>
-              <a:buChar char="•"/>
-              <a:defRPr sz="1800" kern="1200">
-                <a:solidFill>
-                  <a:schemeClr val="tx1"/>
-                </a:solidFill>
-                <a:latin typeface="+mn-lt"/>
-                <a:ea typeface="+mn-ea"/>
-                <a:cs typeface="+mn-cs"/>
-              </a:defRPr>
-            </a:lvl9pPr>
-          </a:lstStyle>
-          <a:p>
-            <a:pPr marL="0" indent="0">
-              <a:buNone/>
-            </a:pPr>
-            <a:r>
-              <a:rPr lang="tr-TR" sz="2000" b="1" dirty="0">
-                <a:solidFill>
-                  <a:srgbClr val="292D33"/>
-                </a:solidFill>
-                <a:latin typeface="Euclid Circular B" panose="020B0504000000000000" pitchFamily="34" charset="0"/>
-                <a:ea typeface="Euclid Circular B" panose="020B0504000000000000" pitchFamily="34" charset="0"/>
-              </a:rPr>
-              <a:t>D</a:t>
-            </a:r>
-            <a:r>
-              <a:rPr lang="en-US" sz="2000" b="1" dirty="0">
-                <a:solidFill>
-                  <a:srgbClr val="292D33"/>
-                </a:solidFill>
-                <a:latin typeface="Euclid Circular B" panose="020B0504000000000000" pitchFamily="34" charset="0"/>
-                <a:ea typeface="Euclid Circular B" panose="020B0504000000000000" pitchFamily="34" charset="0"/>
-              </a:rPr>
-              <a:t>ESIGNING MONOLITH FIRST FOR MICROSERVICE ARCHITECTURE</a:t>
-            </a:r>
-            <a:endParaRPr lang="en-US" sz="2000" dirty="0">
-              <a:latin typeface="Euclid Circular B" panose="020B0504000000000000" pitchFamily="34" charset="0"/>
-              <a:ea typeface="Euclid Circular B" panose="020B0504000000000000" pitchFamily="34" charset="0"/>
-            </a:endParaRPr>
-          </a:p>
-        </p:txBody>
-      </p:sp>
-      <p:sp>
-        <p:nvSpPr>
-          <p:cNvPr id="5" name="TextBox 4">
-            <a:extLst>
-              <a:ext uri="{FF2B5EF4-FFF2-40B4-BE49-F238E27FC236}">
-                <a16:creationId xmlns:a16="http://schemas.microsoft.com/office/drawing/2014/main" id="{3B1FC878-E73B-9D89-C430-440AD08B8781}"/>
-              </a:ext>
-            </a:extLst>
-          </p:cNvPr>
-          <p:cNvSpPr txBox="1"/>
-          <p:nvPr/>
-        </p:nvSpPr>
-        <p:spPr>
-          <a:xfrm>
-            <a:off x="1611465" y="5744232"/>
-            <a:ext cx="9144000" cy="584775"/>
-          </a:xfrm>
-          <a:prstGeom prst="rect">
-            <a:avLst/>
-          </a:prstGeom>
-          <a:noFill/>
-        </p:spPr>
-        <p:txBody>
-          <a:bodyPr wrap="square">
-            <a:spAutoFit/>
-          </a:bodyPr>
-          <a:lstStyle/>
-          <a:p>
-            <a:pPr algn="ctr"/>
-            <a:r>
-              <a:rPr lang="en-US" sz="3200" b="1" i="1" dirty="0">
-                <a:hlinkClick r:id="rId9"/>
-              </a:rPr>
-              <a:t>https://github.com/hikalkan/presentations</a:t>
-            </a:r>
-            <a:r>
-              <a:rPr lang="en-US" sz="3200" b="1" i="1" dirty="0"/>
-              <a:t> </a:t>
-            </a:r>
-          </a:p>
-        </p:txBody>
-      </p:sp>
+      </p:pic>
     </p:spTree>
     <p:extLst>
       <p:ext uri="{BB962C8B-B14F-4D97-AF65-F5344CB8AC3E}">
-        <p14:creationId xmlns:p14="http://schemas.microsoft.com/office/powerpoint/2010/main" val="2681592403"/>
+        <p14:creationId xmlns:p14="http://schemas.microsoft.com/office/powerpoint/2010/main" val="48257309"/>
       </p:ext>
     </p:extLst>
   </p:cSld>
@@ -46946,6 +46601,679 @@
 </p:sld>
 </file>
 
+<file path=ppt/slides/slide50.xml><?xml version="1.0" encoding="utf-8"?>
+<p:sld xmlns:a="http://schemas.openxmlformats.org/drawingml/2006/main" xmlns:r="http://schemas.openxmlformats.org/officeDocument/2006/relationships" xmlns:p="http://schemas.openxmlformats.org/presentationml/2006/main">
+  <p:cSld>
+    <p:bg>
+      <p:bgPr>
+        <a:blipFill dpi="0" rotWithShape="1">
+          <a:blip r:embed="rId2">
+            <a:lum/>
+          </a:blip>
+          <a:srcRect/>
+          <a:stretch>
+            <a:fillRect/>
+          </a:stretch>
+        </a:blipFill>
+        <a:effectLst/>
+      </p:bgPr>
+    </p:bg>
+    <p:spTree>
+      <p:nvGrpSpPr>
+        <p:cNvPr id="1" name=""/>
+        <p:cNvGrpSpPr/>
+        <p:nvPr/>
+      </p:nvGrpSpPr>
+      <p:grpSpPr>
+        <a:xfrm>
+          <a:off x="0" y="0"/>
+          <a:ext cx="0" cy="0"/>
+          <a:chOff x="0" y="0"/>
+          <a:chExt cx="0" cy="0"/>
+        </a:xfrm>
+      </p:grpSpPr>
+      <p:sp>
+        <p:nvSpPr>
+          <p:cNvPr id="3" name="Content Placeholder 2">
+            <a:extLst>
+              <a:ext uri="{FF2B5EF4-FFF2-40B4-BE49-F238E27FC236}">
+                <a16:creationId xmlns:a16="http://schemas.microsoft.com/office/drawing/2014/main" id="{891C7693-D3DF-4635-96F4-97F3B4136FDF}"/>
+              </a:ext>
+            </a:extLst>
+          </p:cNvPr>
+          <p:cNvSpPr>
+            <a:spLocks noGrp="1"/>
+          </p:cNvSpPr>
+          <p:nvPr>
+            <p:ph idx="1"/>
+          </p:nvPr>
+        </p:nvSpPr>
+        <p:spPr>
+          <a:xfrm>
+            <a:off x="838200" y="2719345"/>
+            <a:ext cx="10515600" cy="2670438"/>
+          </a:xfrm>
+        </p:spPr>
+        <p:txBody>
+          <a:bodyPr>
+            <a:normAutofit/>
+          </a:bodyPr>
+          <a:lstStyle/>
+          <a:p>
+            <a:r>
+              <a:rPr lang="en-US" sz="1800" b="1" dirty="0">
+                <a:latin typeface="Euclid Circular B" panose="020B0504000000000000" pitchFamily="34" charset="0"/>
+                <a:ea typeface="Euclid Circular B" panose="020B0504000000000000" pitchFamily="34" charset="0"/>
+              </a:rPr>
+              <a:t>ABP</a:t>
+            </a:r>
+          </a:p>
+          <a:p>
+            <a:pPr lvl="1"/>
+            <a:r>
+              <a:rPr lang="en-US" sz="1600" dirty="0">
+                <a:latin typeface="Euclid Circular B" panose="020B0504000000000000" pitchFamily="34" charset="0"/>
+                <a:ea typeface="Euclid Circular B" panose="020B0504000000000000" pitchFamily="34" charset="0"/>
+                <a:hlinkClick r:id="rId3"/>
+              </a:rPr>
+              <a:t>https://abp.io</a:t>
+            </a:r>
+            <a:endParaRPr lang="en-US" sz="1600" dirty="0">
+              <a:latin typeface="Euclid Circular B" panose="020B0504000000000000" pitchFamily="34" charset="0"/>
+              <a:ea typeface="Euclid Circular B" panose="020B0504000000000000" pitchFamily="34" charset="0"/>
+            </a:endParaRPr>
+          </a:p>
+          <a:p>
+            <a:pPr lvl="1"/>
+            <a:r>
+              <a:rPr lang="en-US" sz="1600" dirty="0">
+                <a:latin typeface="Euclid Circular B" panose="020B0504000000000000" pitchFamily="34" charset="0"/>
+                <a:ea typeface="Euclid Circular B" panose="020B0504000000000000" pitchFamily="34" charset="0"/>
+                <a:hlinkClick r:id="rId4"/>
+              </a:rPr>
+              <a:t>https://docs.abp.io</a:t>
+            </a:r>
+            <a:r>
+              <a:rPr lang="en-US" sz="1600" dirty="0">
+                <a:latin typeface="Euclid Circular B" panose="020B0504000000000000" pitchFamily="34" charset="0"/>
+                <a:ea typeface="Euclid Circular B" panose="020B0504000000000000" pitchFamily="34" charset="0"/>
+              </a:rPr>
+              <a:t> </a:t>
+            </a:r>
+          </a:p>
+          <a:p>
+            <a:pPr lvl="1"/>
+            <a:r>
+              <a:rPr lang="en-US" sz="1600" dirty="0">
+                <a:latin typeface="Euclid Circular B" panose="020B0504000000000000" pitchFamily="34" charset="0"/>
+                <a:ea typeface="Euclid Circular B" panose="020B0504000000000000" pitchFamily="34" charset="0"/>
+                <a:hlinkClick r:id="rId5"/>
+              </a:rPr>
+              <a:t>https://community.abp.io</a:t>
+            </a:r>
+            <a:endParaRPr lang="en-US" sz="1600" dirty="0">
+              <a:latin typeface="Euclid Circular B" panose="020B0504000000000000" pitchFamily="34" charset="0"/>
+              <a:ea typeface="Euclid Circular B" panose="020B0504000000000000" pitchFamily="34" charset="0"/>
+            </a:endParaRPr>
+          </a:p>
+          <a:p>
+            <a:r>
+              <a:rPr lang="en-US" sz="1800" b="1" dirty="0">
+                <a:latin typeface="Euclid Circular B" panose="020B0504000000000000" pitchFamily="34" charset="0"/>
+                <a:ea typeface="Euclid Circular B" panose="020B0504000000000000" pitchFamily="34" charset="0"/>
+              </a:rPr>
+              <a:t>Martin Fowler</a:t>
+            </a:r>
+            <a:r>
+              <a:rPr lang="en-US" sz="1800" dirty="0">
+                <a:latin typeface="Euclid Circular B" panose="020B0504000000000000" pitchFamily="34" charset="0"/>
+                <a:ea typeface="Euclid Circular B" panose="020B0504000000000000" pitchFamily="34" charset="0"/>
+              </a:rPr>
+              <a:t>’s website</a:t>
+            </a:r>
+          </a:p>
+          <a:p>
+            <a:pPr lvl="1"/>
+            <a:r>
+              <a:rPr lang="en-US" sz="1600" dirty="0">
+                <a:latin typeface="Euclid Circular B" panose="020B0504000000000000" pitchFamily="34" charset="0"/>
+                <a:ea typeface="Euclid Circular B" panose="020B0504000000000000" pitchFamily="34" charset="0"/>
+                <a:hlinkClick r:id="rId6"/>
+              </a:rPr>
+              <a:t>https://martinfowler.com</a:t>
+            </a:r>
+            <a:r>
+              <a:rPr lang="en-US" sz="1600" dirty="0">
+                <a:latin typeface="Euclid Circular B" panose="020B0504000000000000" pitchFamily="34" charset="0"/>
+                <a:ea typeface="Euclid Circular B" panose="020B0504000000000000" pitchFamily="34" charset="0"/>
+              </a:rPr>
+              <a:t> </a:t>
+            </a:r>
+          </a:p>
+          <a:p>
+            <a:pPr lvl="1"/>
+            <a:r>
+              <a:rPr lang="en-US" sz="1600" dirty="0">
+                <a:latin typeface="Euclid Circular B" panose="020B0504000000000000" pitchFamily="34" charset="0"/>
+                <a:ea typeface="Euclid Circular B" panose="020B0504000000000000" pitchFamily="34" charset="0"/>
+                <a:hlinkClick r:id="rId7"/>
+              </a:rPr>
+              <a:t>https://martinfowler.com/articles/microservice-trade-offs.html</a:t>
+            </a:r>
+            <a:endParaRPr lang="en-US" sz="1600" dirty="0">
+              <a:latin typeface="Euclid Circular B" panose="020B0504000000000000" pitchFamily="34" charset="0"/>
+              <a:ea typeface="Euclid Circular B" panose="020B0504000000000000" pitchFamily="34" charset="0"/>
+            </a:endParaRPr>
+          </a:p>
+          <a:p>
+            <a:pPr lvl="1"/>
+            <a:r>
+              <a:rPr lang="en-US" sz="1600" dirty="0">
+                <a:latin typeface="Euclid Circular B" panose="020B0504000000000000" pitchFamily="34" charset="0"/>
+                <a:ea typeface="Euclid Circular B" panose="020B0504000000000000" pitchFamily="34" charset="0"/>
+                <a:hlinkClick r:id="rId8"/>
+              </a:rPr>
+              <a:t>https://martinfowler.com/bliki/MicroservicePremium.html</a:t>
+            </a:r>
+            <a:r>
+              <a:rPr lang="en-US" sz="1600" dirty="0">
+                <a:latin typeface="Euclid Circular B" panose="020B0504000000000000" pitchFamily="34" charset="0"/>
+                <a:ea typeface="Euclid Circular B" panose="020B0504000000000000" pitchFamily="34" charset="0"/>
+              </a:rPr>
+              <a:t> </a:t>
+            </a:r>
+          </a:p>
+        </p:txBody>
+      </p:sp>
+      <p:sp>
+        <p:nvSpPr>
+          <p:cNvPr id="6" name="Title 1">
+            <a:extLst>
+              <a:ext uri="{FF2B5EF4-FFF2-40B4-BE49-F238E27FC236}">
+                <a16:creationId xmlns:a16="http://schemas.microsoft.com/office/drawing/2014/main" id="{331D04E0-6416-4CBE-AD16-B2D9C4FE44C3}"/>
+              </a:ext>
+            </a:extLst>
+          </p:cNvPr>
+          <p:cNvSpPr>
+            <a:spLocks noGrp="1"/>
+          </p:cNvSpPr>
+          <p:nvPr>
+            <p:ph type="title"/>
+          </p:nvPr>
+        </p:nvSpPr>
+        <p:spPr>
+          <a:xfrm>
+            <a:off x="838200" y="1647365"/>
+            <a:ext cx="10515600" cy="1325563"/>
+          </a:xfrm>
+        </p:spPr>
+        <p:txBody>
+          <a:bodyPr>
+            <a:normAutofit/>
+          </a:bodyPr>
+          <a:lstStyle/>
+          <a:p>
+            <a:r>
+              <a:rPr lang="en-US" sz="2800" b="1" dirty="0">
+                <a:solidFill>
+                  <a:srgbClr val="292D33"/>
+                </a:solidFill>
+                <a:latin typeface="Euclid Circular B" panose="020B0504000000000000" pitchFamily="34" charset="0"/>
+                <a:ea typeface="Euclid Circular B" panose="020B0504000000000000" pitchFamily="34" charset="0"/>
+              </a:rPr>
+              <a:t>References / further reading</a:t>
+            </a:r>
+            <a:endParaRPr lang="en-US" sz="1800" b="1" dirty="0">
+              <a:solidFill>
+                <a:srgbClr val="292D33"/>
+              </a:solidFill>
+              <a:latin typeface="Euclid Circular B" panose="020B0504000000000000" pitchFamily="34" charset="0"/>
+              <a:ea typeface="Euclid Circular B" panose="020B0504000000000000" pitchFamily="34" charset="0"/>
+            </a:endParaRPr>
+          </a:p>
+        </p:txBody>
+      </p:sp>
+      <p:sp>
+        <p:nvSpPr>
+          <p:cNvPr id="2" name="Title 1">
+            <a:extLst>
+              <a:ext uri="{FF2B5EF4-FFF2-40B4-BE49-F238E27FC236}">
+                <a16:creationId xmlns:a16="http://schemas.microsoft.com/office/drawing/2014/main" id="{AC83E7B0-4630-E48E-1958-A14C6ADE756A}"/>
+              </a:ext>
+            </a:extLst>
+          </p:cNvPr>
+          <p:cNvSpPr txBox="1">
+            <a:spLocks/>
+          </p:cNvSpPr>
+          <p:nvPr/>
+        </p:nvSpPr>
+        <p:spPr>
+          <a:xfrm>
+            <a:off x="838200" y="248305"/>
+            <a:ext cx="9144000" cy="865463"/>
+          </a:xfrm>
+          <a:prstGeom prst="rect">
+            <a:avLst/>
+          </a:prstGeom>
+        </p:spPr>
+        <p:txBody>
+          <a:bodyPr vert="horz" lIns="91440" tIns="45720" rIns="91440" bIns="45720" rtlCol="0" anchor="ctr">
+            <a:normAutofit/>
+          </a:bodyPr>
+          <a:lstStyle>
+            <a:lvl1pPr algn="l" defTabSz="914400" rtl="0" eaLnBrk="1" latinLnBrk="0" hangingPunct="1">
+              <a:lnSpc>
+                <a:spcPct val="90000"/>
+              </a:lnSpc>
+              <a:spcBef>
+                <a:spcPct val="0"/>
+              </a:spcBef>
+              <a:buNone/>
+              <a:defRPr sz="4400" kern="1200">
+                <a:solidFill>
+                  <a:schemeClr val="tx1"/>
+                </a:solidFill>
+                <a:latin typeface="+mj-lt"/>
+                <a:ea typeface="+mj-ea"/>
+                <a:cs typeface="+mj-cs"/>
+              </a:defRPr>
+            </a:lvl1pPr>
+          </a:lstStyle>
+          <a:p>
+            <a:r>
+              <a:rPr lang="en-US" sz="4800" b="1" dirty="0">
+                <a:solidFill>
+                  <a:srgbClr val="292D33"/>
+                </a:solidFill>
+                <a:latin typeface="Euclid Circular B" panose="020B0504000000000000" pitchFamily="34" charset="0"/>
+                <a:ea typeface="Euclid Circular B" panose="020B0504000000000000" pitchFamily="34" charset="0"/>
+              </a:rPr>
+              <a:t>THANKS!</a:t>
+            </a:r>
+          </a:p>
+        </p:txBody>
+      </p:sp>
+      <p:sp>
+        <p:nvSpPr>
+          <p:cNvPr id="4" name="Subtitle 2">
+            <a:extLst>
+              <a:ext uri="{FF2B5EF4-FFF2-40B4-BE49-F238E27FC236}">
+                <a16:creationId xmlns:a16="http://schemas.microsoft.com/office/drawing/2014/main" id="{F9644745-8434-EF95-9668-A4D0228E8808}"/>
+              </a:ext>
+            </a:extLst>
+          </p:cNvPr>
+          <p:cNvSpPr txBox="1">
+            <a:spLocks/>
+          </p:cNvSpPr>
+          <p:nvPr/>
+        </p:nvSpPr>
+        <p:spPr>
+          <a:xfrm>
+            <a:off x="838200" y="1113768"/>
+            <a:ext cx="9144000" cy="592890"/>
+          </a:xfrm>
+          <a:prstGeom prst="rect">
+            <a:avLst/>
+          </a:prstGeom>
+        </p:spPr>
+        <p:txBody>
+          <a:bodyPr vert="horz" lIns="91440" tIns="45720" rIns="91440" bIns="45720" rtlCol="0">
+            <a:normAutofit/>
+          </a:bodyPr>
+          <a:lstStyle>
+            <a:lvl1pPr marL="228600" indent="-228600" algn="l" defTabSz="914400" rtl="0" eaLnBrk="1" latinLnBrk="0" hangingPunct="1">
+              <a:lnSpc>
+                <a:spcPct val="90000"/>
+              </a:lnSpc>
+              <a:spcBef>
+                <a:spcPts val="1000"/>
+              </a:spcBef>
+              <a:buFont typeface="Arial" panose="020B0604020202020204" pitchFamily="34" charset="0"/>
+              <a:buChar char="•"/>
+              <a:defRPr sz="2800" kern="1200">
+                <a:solidFill>
+                  <a:schemeClr val="tx1"/>
+                </a:solidFill>
+                <a:latin typeface="+mn-lt"/>
+                <a:ea typeface="+mn-ea"/>
+                <a:cs typeface="+mn-cs"/>
+              </a:defRPr>
+            </a:lvl1pPr>
+            <a:lvl2pPr marL="685800" indent="-228600" algn="l" defTabSz="914400" rtl="0" eaLnBrk="1" latinLnBrk="0" hangingPunct="1">
+              <a:lnSpc>
+                <a:spcPct val="90000"/>
+              </a:lnSpc>
+              <a:spcBef>
+                <a:spcPts val="500"/>
+              </a:spcBef>
+              <a:buFont typeface="Arial" panose="020B0604020202020204" pitchFamily="34" charset="0"/>
+              <a:buChar char="•"/>
+              <a:defRPr sz="2400" kern="1200">
+                <a:solidFill>
+                  <a:schemeClr val="tx1"/>
+                </a:solidFill>
+                <a:latin typeface="+mn-lt"/>
+                <a:ea typeface="+mn-ea"/>
+                <a:cs typeface="+mn-cs"/>
+              </a:defRPr>
+            </a:lvl2pPr>
+            <a:lvl3pPr marL="1143000" indent="-228600" algn="l" defTabSz="914400" rtl="0" eaLnBrk="1" latinLnBrk="0" hangingPunct="1">
+              <a:lnSpc>
+                <a:spcPct val="90000"/>
+              </a:lnSpc>
+              <a:spcBef>
+                <a:spcPts val="500"/>
+              </a:spcBef>
+              <a:buFont typeface="Arial" panose="020B0604020202020204" pitchFamily="34" charset="0"/>
+              <a:buChar char="•"/>
+              <a:defRPr sz="2000" kern="1200">
+                <a:solidFill>
+                  <a:schemeClr val="tx1"/>
+                </a:solidFill>
+                <a:latin typeface="+mn-lt"/>
+                <a:ea typeface="+mn-ea"/>
+                <a:cs typeface="+mn-cs"/>
+              </a:defRPr>
+            </a:lvl3pPr>
+            <a:lvl4pPr marL="1600200" indent="-228600" algn="l" defTabSz="914400" rtl="0" eaLnBrk="1" latinLnBrk="0" hangingPunct="1">
+              <a:lnSpc>
+                <a:spcPct val="90000"/>
+              </a:lnSpc>
+              <a:spcBef>
+                <a:spcPts val="500"/>
+              </a:spcBef>
+              <a:buFont typeface="Arial" panose="020B0604020202020204" pitchFamily="34" charset="0"/>
+              <a:buChar char="•"/>
+              <a:defRPr sz="1800" kern="1200">
+                <a:solidFill>
+                  <a:schemeClr val="tx1"/>
+                </a:solidFill>
+                <a:latin typeface="+mn-lt"/>
+                <a:ea typeface="+mn-ea"/>
+                <a:cs typeface="+mn-cs"/>
+              </a:defRPr>
+            </a:lvl4pPr>
+            <a:lvl5pPr marL="2057400" indent="-228600" algn="l" defTabSz="914400" rtl="0" eaLnBrk="1" latinLnBrk="0" hangingPunct="1">
+              <a:lnSpc>
+                <a:spcPct val="90000"/>
+              </a:lnSpc>
+              <a:spcBef>
+                <a:spcPts val="500"/>
+              </a:spcBef>
+              <a:buFont typeface="Arial" panose="020B0604020202020204" pitchFamily="34" charset="0"/>
+              <a:buChar char="•"/>
+              <a:defRPr sz="1800" kern="1200">
+                <a:solidFill>
+                  <a:schemeClr val="tx1"/>
+                </a:solidFill>
+                <a:latin typeface="+mn-lt"/>
+                <a:ea typeface="+mn-ea"/>
+                <a:cs typeface="+mn-cs"/>
+              </a:defRPr>
+            </a:lvl5pPr>
+            <a:lvl6pPr marL="2514600" indent="-228600" algn="l" defTabSz="914400" rtl="0" eaLnBrk="1" latinLnBrk="0" hangingPunct="1">
+              <a:lnSpc>
+                <a:spcPct val="90000"/>
+              </a:lnSpc>
+              <a:spcBef>
+                <a:spcPts val="500"/>
+              </a:spcBef>
+              <a:buFont typeface="Arial" panose="020B0604020202020204" pitchFamily="34" charset="0"/>
+              <a:buChar char="•"/>
+              <a:defRPr sz="1800" kern="1200">
+                <a:solidFill>
+                  <a:schemeClr val="tx1"/>
+                </a:solidFill>
+                <a:latin typeface="+mn-lt"/>
+                <a:ea typeface="+mn-ea"/>
+                <a:cs typeface="+mn-cs"/>
+              </a:defRPr>
+            </a:lvl6pPr>
+            <a:lvl7pPr marL="2971800" indent="-228600" algn="l" defTabSz="914400" rtl="0" eaLnBrk="1" latinLnBrk="0" hangingPunct="1">
+              <a:lnSpc>
+                <a:spcPct val="90000"/>
+              </a:lnSpc>
+              <a:spcBef>
+                <a:spcPts val="500"/>
+              </a:spcBef>
+              <a:buFont typeface="Arial" panose="020B0604020202020204" pitchFamily="34" charset="0"/>
+              <a:buChar char="•"/>
+              <a:defRPr sz="1800" kern="1200">
+                <a:solidFill>
+                  <a:schemeClr val="tx1"/>
+                </a:solidFill>
+                <a:latin typeface="+mn-lt"/>
+                <a:ea typeface="+mn-ea"/>
+                <a:cs typeface="+mn-cs"/>
+              </a:defRPr>
+            </a:lvl7pPr>
+            <a:lvl8pPr marL="3429000" indent="-228600" algn="l" defTabSz="914400" rtl="0" eaLnBrk="1" latinLnBrk="0" hangingPunct="1">
+              <a:lnSpc>
+                <a:spcPct val="90000"/>
+              </a:lnSpc>
+              <a:spcBef>
+                <a:spcPts val="500"/>
+              </a:spcBef>
+              <a:buFont typeface="Arial" panose="020B0604020202020204" pitchFamily="34" charset="0"/>
+              <a:buChar char="•"/>
+              <a:defRPr sz="1800" kern="1200">
+                <a:solidFill>
+                  <a:schemeClr val="tx1"/>
+                </a:solidFill>
+                <a:latin typeface="+mn-lt"/>
+                <a:ea typeface="+mn-ea"/>
+                <a:cs typeface="+mn-cs"/>
+              </a:defRPr>
+            </a:lvl8pPr>
+            <a:lvl9pPr marL="3886200" indent="-228600" algn="l" defTabSz="914400" rtl="0" eaLnBrk="1" latinLnBrk="0" hangingPunct="1">
+              <a:lnSpc>
+                <a:spcPct val="90000"/>
+              </a:lnSpc>
+              <a:spcBef>
+                <a:spcPts val="500"/>
+              </a:spcBef>
+              <a:buFont typeface="Arial" panose="020B0604020202020204" pitchFamily="34" charset="0"/>
+              <a:buChar char="•"/>
+              <a:defRPr sz="1800" kern="1200">
+                <a:solidFill>
+                  <a:schemeClr val="tx1"/>
+                </a:solidFill>
+                <a:latin typeface="+mn-lt"/>
+                <a:ea typeface="+mn-ea"/>
+                <a:cs typeface="+mn-cs"/>
+              </a:defRPr>
+            </a:lvl9pPr>
+          </a:lstStyle>
+          <a:p>
+            <a:pPr marL="0" indent="0">
+              <a:buNone/>
+            </a:pPr>
+            <a:r>
+              <a:rPr lang="tr-TR" sz="2000" b="1" dirty="0">
+                <a:solidFill>
+                  <a:srgbClr val="292D33"/>
+                </a:solidFill>
+                <a:latin typeface="Euclid Circular B" panose="020B0504000000000000" pitchFamily="34" charset="0"/>
+                <a:ea typeface="Euclid Circular B" panose="020B0504000000000000" pitchFamily="34" charset="0"/>
+              </a:rPr>
+              <a:t>D</a:t>
+            </a:r>
+            <a:r>
+              <a:rPr lang="en-US" sz="2000" b="1" dirty="0">
+                <a:solidFill>
+                  <a:srgbClr val="292D33"/>
+                </a:solidFill>
+                <a:latin typeface="Euclid Circular B" panose="020B0504000000000000" pitchFamily="34" charset="0"/>
+                <a:ea typeface="Euclid Circular B" panose="020B0504000000000000" pitchFamily="34" charset="0"/>
+              </a:rPr>
+              <a:t>ESIGNING MONOLITH FIRST FOR MICROSERVICE ARCHITECTURE</a:t>
+            </a:r>
+            <a:endParaRPr lang="en-US" sz="2000" dirty="0">
+              <a:latin typeface="Euclid Circular B" panose="020B0504000000000000" pitchFamily="34" charset="0"/>
+              <a:ea typeface="Euclid Circular B" panose="020B0504000000000000" pitchFamily="34" charset="0"/>
+            </a:endParaRPr>
+          </a:p>
+        </p:txBody>
+      </p:sp>
+      <p:sp>
+        <p:nvSpPr>
+          <p:cNvPr id="5" name="TextBox 4">
+            <a:extLst>
+              <a:ext uri="{FF2B5EF4-FFF2-40B4-BE49-F238E27FC236}">
+                <a16:creationId xmlns:a16="http://schemas.microsoft.com/office/drawing/2014/main" id="{3B1FC878-E73B-9D89-C430-440AD08B8781}"/>
+              </a:ext>
+            </a:extLst>
+          </p:cNvPr>
+          <p:cNvSpPr txBox="1"/>
+          <p:nvPr/>
+        </p:nvSpPr>
+        <p:spPr>
+          <a:xfrm>
+            <a:off x="1611465" y="5744232"/>
+            <a:ext cx="9144000" cy="584775"/>
+          </a:xfrm>
+          <a:prstGeom prst="rect">
+            <a:avLst/>
+          </a:prstGeom>
+          <a:noFill/>
+        </p:spPr>
+        <p:txBody>
+          <a:bodyPr wrap="square">
+            <a:spAutoFit/>
+          </a:bodyPr>
+          <a:lstStyle/>
+          <a:p>
+            <a:pPr algn="ctr"/>
+            <a:r>
+              <a:rPr lang="en-US" sz="3200" b="1" i="1" dirty="0">
+                <a:hlinkClick r:id="rId9"/>
+              </a:rPr>
+              <a:t>https://github.com/hikalkan/presentations</a:t>
+            </a:r>
+            <a:r>
+              <a:rPr lang="en-US" sz="3200" b="1" i="1" dirty="0"/>
+              <a:t> </a:t>
+            </a:r>
+          </a:p>
+        </p:txBody>
+      </p:sp>
+      <p:pic>
+        <p:nvPicPr>
+          <p:cNvPr id="8" name="Picture 7" descr="A qr code on a white background&#10;&#10;AI-generated content may be incorrect.">
+            <a:extLst>
+              <a:ext uri="{FF2B5EF4-FFF2-40B4-BE49-F238E27FC236}">
+                <a16:creationId xmlns:a16="http://schemas.microsoft.com/office/drawing/2014/main" id="{932903FA-1BBF-F8FF-8FEF-E4B62D0EBD92}"/>
+              </a:ext>
+            </a:extLst>
+          </p:cNvPr>
+          <p:cNvPicPr>
+            <a:picLocks noChangeAspect="1"/>
+          </p:cNvPicPr>
+          <p:nvPr/>
+        </p:nvPicPr>
+        <p:blipFill>
+          <a:blip r:embed="rId10">
+            <a:extLst>
+              <a:ext uri="{28A0092B-C50C-407E-A947-70E740481C1C}">
+                <a14:useLocalDpi xmlns:a14="http://schemas.microsoft.com/office/drawing/2010/main" val="0"/>
+              </a:ext>
+            </a:extLst>
+          </a:blip>
+          <a:stretch>
+            <a:fillRect/>
+          </a:stretch>
+        </p:blipFill>
+        <p:spPr>
+          <a:xfrm>
+            <a:off x="8632038" y="2155278"/>
+            <a:ext cx="3283078" cy="3283078"/>
+          </a:xfrm>
+          <a:prstGeom prst="rect">
+            <a:avLst/>
+          </a:prstGeom>
+        </p:spPr>
+      </p:pic>
+      <p:sp>
+        <p:nvSpPr>
+          <p:cNvPr id="9" name="Title 1">
+            <a:extLst>
+              <a:ext uri="{FF2B5EF4-FFF2-40B4-BE49-F238E27FC236}">
+                <a16:creationId xmlns:a16="http://schemas.microsoft.com/office/drawing/2014/main" id="{BA2CCFEE-CDF0-8C49-821C-77B1AA95EC8C}"/>
+              </a:ext>
+            </a:extLst>
+          </p:cNvPr>
+          <p:cNvSpPr txBox="1">
+            <a:spLocks/>
+          </p:cNvSpPr>
+          <p:nvPr/>
+        </p:nvSpPr>
+        <p:spPr>
+          <a:xfrm>
+            <a:off x="8632038" y="1707101"/>
+            <a:ext cx="3283078" cy="451721"/>
+          </a:xfrm>
+          <a:prstGeom prst="rect">
+            <a:avLst/>
+          </a:prstGeom>
+        </p:spPr>
+        <p:txBody>
+          <a:bodyPr vert="horz" lIns="91440" tIns="45720" rIns="91440" bIns="45720" rtlCol="0" anchor="t">
+            <a:normAutofit/>
+          </a:bodyPr>
+          <a:lstStyle>
+            <a:lvl1pPr algn="l" defTabSz="914400" rtl="0" eaLnBrk="1" latinLnBrk="0" hangingPunct="1">
+              <a:lnSpc>
+                <a:spcPct val="90000"/>
+              </a:lnSpc>
+              <a:spcBef>
+                <a:spcPct val="0"/>
+              </a:spcBef>
+              <a:buNone/>
+              <a:defRPr sz="4400" kern="1200">
+                <a:solidFill>
+                  <a:schemeClr val="tx1"/>
+                </a:solidFill>
+                <a:latin typeface="+mj-lt"/>
+                <a:ea typeface="+mj-ea"/>
+                <a:cs typeface="+mj-cs"/>
+              </a:defRPr>
+            </a:lvl1pPr>
+          </a:lstStyle>
+          <a:p>
+            <a:pPr algn="ctr"/>
+            <a:r>
+              <a:rPr lang="tr-TR" sz="2100" b="1" u="sng" dirty="0">
+                <a:solidFill>
+                  <a:srgbClr val="292D33"/>
+                </a:solidFill>
+                <a:latin typeface="Euclid Circular B" panose="020B0504000000000000" pitchFamily="34" charset="0"/>
+                <a:ea typeface="Euclid Circular B" panose="020B0504000000000000" pitchFamily="34" charset="0"/>
+              </a:rPr>
+              <a:t>download presentation</a:t>
+            </a:r>
+            <a:endParaRPr lang="en-US" sz="2100" b="1" u="sng" dirty="0">
+              <a:solidFill>
+                <a:srgbClr val="292D33"/>
+              </a:solidFill>
+              <a:latin typeface="Euclid Circular B" panose="020B0504000000000000" pitchFamily="34" charset="0"/>
+              <a:ea typeface="Euclid Circular B" panose="020B0504000000000000" pitchFamily="34" charset="0"/>
+            </a:endParaRPr>
+          </a:p>
+        </p:txBody>
+      </p:sp>
+    </p:spTree>
+    <p:extLst>
+      <p:ext uri="{BB962C8B-B14F-4D97-AF65-F5344CB8AC3E}">
+        <p14:creationId xmlns:p14="http://schemas.microsoft.com/office/powerpoint/2010/main" val="2681592403"/>
+      </p:ext>
+    </p:extLst>
+  </p:cSld>
+  <p:clrMapOvr>
+    <a:masterClrMapping/>
+  </p:clrMapOvr>
+</p:sld>
+</file>
+
 <file path=ppt/slides/slide6.xml><?xml version="1.0" encoding="utf-8"?>
 <p:sld xmlns:a="http://schemas.openxmlformats.org/drawingml/2006/main" xmlns:r="http://schemas.openxmlformats.org/officeDocument/2006/relationships" xmlns:p="http://schemas.openxmlformats.org/presentationml/2006/main">
   <p:cSld>

--- a/2025-09-19 Dotnext St Petersburg/Monolith First Presentation.pptx
+++ b/2025-09-19 Dotnext St Petersburg/Monolith First Presentation.pptx
@@ -366,7 +366,7 @@
           <a:p>
             <a:fld id="{2A14C9FE-EBC3-45D3-899C-58AAF4F8AF71}" type="datetimeFigureOut">
               <a:rPr lang="en-US" smtClean="0"/>
-              <a:t>8/30/2025</a:t>
+              <a:t>9/18/2025</a:t>
             </a:fld>
             <a:endParaRPr lang="en-US"/>
           </a:p>
@@ -564,7 +564,7 @@
           <a:p>
             <a:fld id="{2A14C9FE-EBC3-45D3-899C-58AAF4F8AF71}" type="datetimeFigureOut">
               <a:rPr lang="en-US" smtClean="0"/>
-              <a:t>8/30/2025</a:t>
+              <a:t>9/18/2025</a:t>
             </a:fld>
             <a:endParaRPr lang="en-US"/>
           </a:p>
@@ -772,7 +772,7 @@
           <a:p>
             <a:fld id="{2A14C9FE-EBC3-45D3-899C-58AAF4F8AF71}" type="datetimeFigureOut">
               <a:rPr lang="en-US" smtClean="0"/>
-              <a:t>8/30/2025</a:t>
+              <a:t>9/18/2025</a:t>
             </a:fld>
             <a:endParaRPr lang="en-US"/>
           </a:p>
@@ -970,7 +970,7 @@
           <a:p>
             <a:fld id="{2A14C9FE-EBC3-45D3-899C-58AAF4F8AF71}" type="datetimeFigureOut">
               <a:rPr lang="en-US" smtClean="0"/>
-              <a:t>8/30/2025</a:t>
+              <a:t>9/18/2025</a:t>
             </a:fld>
             <a:endParaRPr lang="en-US"/>
           </a:p>
@@ -1245,7 +1245,7 @@
           <a:p>
             <a:fld id="{2A14C9FE-EBC3-45D3-899C-58AAF4F8AF71}" type="datetimeFigureOut">
               <a:rPr lang="en-US" smtClean="0"/>
-              <a:t>8/30/2025</a:t>
+              <a:t>9/18/2025</a:t>
             </a:fld>
             <a:endParaRPr lang="en-US"/>
           </a:p>
@@ -1510,7 +1510,7 @@
           <a:p>
             <a:fld id="{2A14C9FE-EBC3-45D3-899C-58AAF4F8AF71}" type="datetimeFigureOut">
               <a:rPr lang="en-US" smtClean="0"/>
-              <a:t>8/30/2025</a:t>
+              <a:t>9/18/2025</a:t>
             </a:fld>
             <a:endParaRPr lang="en-US"/>
           </a:p>
@@ -1922,7 +1922,7 @@
           <a:p>
             <a:fld id="{2A14C9FE-EBC3-45D3-899C-58AAF4F8AF71}" type="datetimeFigureOut">
               <a:rPr lang="en-US" smtClean="0"/>
-              <a:t>8/30/2025</a:t>
+              <a:t>9/18/2025</a:t>
             </a:fld>
             <a:endParaRPr lang="en-US"/>
           </a:p>
@@ -2063,7 +2063,7 @@
           <a:p>
             <a:fld id="{2A14C9FE-EBC3-45D3-899C-58AAF4F8AF71}" type="datetimeFigureOut">
               <a:rPr lang="en-US" smtClean="0"/>
-              <a:t>8/30/2025</a:t>
+              <a:t>9/18/2025</a:t>
             </a:fld>
             <a:endParaRPr lang="en-US"/>
           </a:p>
@@ -2176,7 +2176,7 @@
           <a:p>
             <a:fld id="{2A14C9FE-EBC3-45D3-899C-58AAF4F8AF71}" type="datetimeFigureOut">
               <a:rPr lang="en-US" smtClean="0"/>
-              <a:t>8/30/2025</a:t>
+              <a:t>9/18/2025</a:t>
             </a:fld>
             <a:endParaRPr lang="en-US"/>
           </a:p>
@@ -2487,7 +2487,7 @@
           <a:p>
             <a:fld id="{2A14C9FE-EBC3-45D3-899C-58AAF4F8AF71}" type="datetimeFigureOut">
               <a:rPr lang="en-US" smtClean="0"/>
-              <a:t>8/30/2025</a:t>
+              <a:t>9/18/2025</a:t>
             </a:fld>
             <a:endParaRPr lang="en-US"/>
           </a:p>
@@ -2775,7 +2775,7 @@
           <a:p>
             <a:fld id="{2A14C9FE-EBC3-45D3-899C-58AAF4F8AF71}" type="datetimeFigureOut">
               <a:rPr lang="en-US" smtClean="0"/>
-              <a:t>8/30/2025</a:t>
+              <a:t>9/18/2025</a:t>
             </a:fld>
             <a:endParaRPr lang="en-US"/>
           </a:p>
@@ -3016,7 +3016,7 @@
           <a:p>
             <a:fld id="{2A14C9FE-EBC3-45D3-899C-58AAF4F8AF71}" type="datetimeFigureOut">
               <a:rPr lang="en-US" smtClean="0"/>
-              <a:t>8/30/2025</a:t>
+              <a:t>9/18/2025</a:t>
             </a:fld>
             <a:endParaRPr lang="en-US"/>
           </a:p>
@@ -21275,8 +21275,8 @@
         </p:blipFill>
         <p:spPr>
           <a:xfrm>
-            <a:off x="930611" y="1975406"/>
-            <a:ext cx="2809875" cy="952500"/>
+            <a:off x="930611" y="1975405"/>
+            <a:ext cx="4288099" cy="1453593"/>
           </a:xfrm>
           <a:prstGeom prst="rect">
             <a:avLst/>
@@ -21301,8 +21301,8 @@
         </p:nvSpPr>
         <p:spPr>
           <a:xfrm>
-            <a:off x="838200" y="3328737"/>
-            <a:ext cx="10866120" cy="2848226"/>
+            <a:off x="838200" y="4281055"/>
+            <a:ext cx="10866120" cy="1895908"/>
           </a:xfrm>
         </p:spPr>
         <p:txBody>
@@ -21487,32 +21487,61 @@
           </a:p>
         </p:txBody>
       </p:sp>
+      <p:pic>
+        <p:nvPicPr>
+          <p:cNvPr id="13" name="Picture 12">
+            <a:extLst>
+              <a:ext uri="{FF2B5EF4-FFF2-40B4-BE49-F238E27FC236}">
+                <a16:creationId xmlns:a16="http://schemas.microsoft.com/office/drawing/2014/main" id="{BF9F127C-3F67-629C-2F3D-8131EB03E140}"/>
+              </a:ext>
+            </a:extLst>
+          </p:cNvPr>
+          <p:cNvPicPr>
+            <a:picLocks noChangeAspect="1"/>
+          </p:cNvPicPr>
+          <p:nvPr/>
+        </p:nvPicPr>
+        <p:blipFill>
+          <a:blip r:embed="rId4"/>
+          <a:stretch>
+            <a:fillRect/>
+          </a:stretch>
+        </p:blipFill>
+        <p:spPr>
+          <a:xfrm>
+            <a:off x="6735678" y="1965960"/>
+            <a:ext cx="4478691" cy="1463039"/>
+          </a:xfrm>
+          <a:prstGeom prst="rect">
+            <a:avLst/>
+          </a:prstGeom>
+        </p:spPr>
+      </p:pic>
       <p:cxnSp>
         <p:nvCxnSpPr>
-          <p:cNvPr id="9" name="Straight Arrow Connector 8">
-            <a:extLst>
-              <a:ext uri="{FF2B5EF4-FFF2-40B4-BE49-F238E27FC236}">
-                <a16:creationId xmlns:a16="http://schemas.microsoft.com/office/drawing/2014/main" id="{6CDD5758-E8CF-42BC-9778-13D69980C050}"/>
-              </a:ext>
-            </a:extLst>
-          </p:cNvPr>
-          <p:cNvCxnSpPr>
-            <a:cxnSpLocks/>
-          </p:cNvCxnSpPr>
+          <p:cNvPr id="8" name="Straight Arrow Connector 7">
+            <a:extLst>
+              <a:ext uri="{FF2B5EF4-FFF2-40B4-BE49-F238E27FC236}">
+                <a16:creationId xmlns:a16="http://schemas.microsoft.com/office/drawing/2014/main" id="{76B11EAF-E153-4086-A93F-28C3A77B2E68}"/>
+              </a:ext>
+            </a:extLst>
+          </p:cNvPr>
+          <p:cNvCxnSpPr/>
           <p:nvPr/>
         </p:nvCxnSpPr>
         <p:spPr>
-          <a:xfrm>
-            <a:off x="2598821" y="2261937"/>
-            <a:ext cx="2738824" cy="154707"/>
+          <a:xfrm flipH="1">
+            <a:off x="9470829" y="2416644"/>
+            <a:ext cx="470780" cy="0"/>
           </a:xfrm>
           <a:prstGeom prst="straightConnector1">
             <a:avLst/>
           </a:prstGeom>
           <a:ln w="38100">
             <a:solidFill>
-              <a:schemeClr val="tx1"/>
+              <a:srgbClr val="FF0000"/>
             </a:solidFill>
+            <a:prstDash val="sysDash"/>
             <a:tailEnd type="triangle"/>
           </a:ln>
         </p:spPr>
@@ -21531,61 +21560,32 @@
           </a:fontRef>
         </p:style>
       </p:cxnSp>
-      <p:pic>
-        <p:nvPicPr>
-          <p:cNvPr id="13" name="Picture 12">
-            <a:extLst>
-              <a:ext uri="{FF2B5EF4-FFF2-40B4-BE49-F238E27FC236}">
-                <a16:creationId xmlns:a16="http://schemas.microsoft.com/office/drawing/2014/main" id="{BF9F127C-3F67-629C-2F3D-8131EB03E140}"/>
-              </a:ext>
-            </a:extLst>
-          </p:cNvPr>
-          <p:cNvPicPr>
-            <a:picLocks noChangeAspect="1"/>
-          </p:cNvPicPr>
-          <p:nvPr/>
-        </p:nvPicPr>
-        <p:blipFill>
-          <a:blip r:embed="rId4"/>
-          <a:stretch>
-            <a:fillRect/>
-          </a:stretch>
-        </p:blipFill>
-        <p:spPr>
-          <a:xfrm>
-            <a:off x="5337645" y="1965961"/>
-            <a:ext cx="2857500" cy="933450"/>
-          </a:xfrm>
-          <a:prstGeom prst="rect">
-            <a:avLst/>
-          </a:prstGeom>
-        </p:spPr>
-      </p:pic>
       <p:cxnSp>
         <p:nvCxnSpPr>
-          <p:cNvPr id="8" name="Straight Arrow Connector 7">
-            <a:extLst>
-              <a:ext uri="{FF2B5EF4-FFF2-40B4-BE49-F238E27FC236}">
-                <a16:creationId xmlns:a16="http://schemas.microsoft.com/office/drawing/2014/main" id="{76B11EAF-E153-4086-A93F-28C3A77B2E68}"/>
-              </a:ext>
-            </a:extLst>
-          </p:cNvPr>
-          <p:cNvCxnSpPr/>
+          <p:cNvPr id="9" name="Straight Arrow Connector 8">
+            <a:extLst>
+              <a:ext uri="{FF2B5EF4-FFF2-40B4-BE49-F238E27FC236}">
+                <a16:creationId xmlns:a16="http://schemas.microsoft.com/office/drawing/2014/main" id="{6CDD5758-E8CF-42BC-9778-13D69980C050}"/>
+              </a:ext>
+            </a:extLst>
+          </p:cNvPr>
+          <p:cNvCxnSpPr>
+            <a:cxnSpLocks/>
+          </p:cNvCxnSpPr>
           <p:nvPr/>
         </p:nvCxnSpPr>
         <p:spPr>
-          <a:xfrm flipH="1">
-            <a:off x="7096050" y="2237874"/>
-            <a:ext cx="470780" cy="0"/>
+          <a:xfrm>
+            <a:off x="3575567" y="2412206"/>
+            <a:ext cx="3397725" cy="285273"/>
           </a:xfrm>
           <a:prstGeom prst="straightConnector1">
             <a:avLst/>
           </a:prstGeom>
           <a:ln w="38100">
             <a:solidFill>
-              <a:srgbClr val="FF0000"/>
+              <a:schemeClr val="tx1"/>
             </a:solidFill>
-            <a:prstDash val="sysDash"/>
             <a:tailEnd type="triangle"/>
           </a:ln>
         </p:spPr>
@@ -35799,7 +35799,7 @@
         <p:spPr>
           <a:xfrm>
             <a:off x="4891909" y="4212175"/>
-            <a:ext cx="1876476" cy="1569660"/>
+            <a:ext cx="1876476" cy="1815882"/>
           </a:xfrm>
           <a:prstGeom prst="rect">
             <a:avLst/>
@@ -35857,6 +35857,13 @@
               <a:t>distributed locking</a:t>
             </a:r>
           </a:p>
+          <a:p>
+            <a:pPr algn="ctr"/>
+            <a:r>
+              <a:rPr lang="en-US" sz="1600" dirty="0"/>
+              <a:t>object serialization</a:t>
+            </a:r>
+          </a:p>
         </p:txBody>
       </p:sp>
       <p:cxnSp>
@@ -35875,8 +35882,8 @@
         </p:nvCxnSpPr>
         <p:spPr>
           <a:xfrm rot="16200000" flipH="1">
-            <a:off x="3988771" y="4093867"/>
-            <a:ext cx="1374450" cy="431825"/>
+            <a:off x="3927216" y="4155422"/>
+            <a:ext cx="1497561" cy="431826"/>
           </a:xfrm>
           <a:prstGeom prst="bentConnector2">
             <a:avLst/>
@@ -35920,8 +35927,8 @@
         </p:nvCxnSpPr>
         <p:spPr>
           <a:xfrm rot="5400000">
-            <a:off x="6367588" y="4025409"/>
-            <a:ext cx="1372394" cy="570799"/>
+            <a:off x="6306033" y="4086964"/>
+            <a:ext cx="1495504" cy="570800"/>
           </a:xfrm>
           <a:prstGeom prst="bentConnector2">
             <a:avLst/>
@@ -44416,8 +44423,8 @@
         </p:blipFill>
         <p:spPr>
           <a:xfrm>
-            <a:off x="9107787" y="270118"/>
-            <a:ext cx="2815588" cy="5825802"/>
+            <a:off x="8877555" y="0"/>
+            <a:ext cx="3314445" cy="6858000"/>
           </a:xfrm>
           <a:prstGeom prst="rect">
             <a:avLst/>
